--- a/~181226발표준비/중간발표 피피티.pptx
+++ b/~181226발표준비/중간발표 피피티.pptx
@@ -113,6 +113,11 @@
       </a:defRPr>
     </a:lvl9pPr>
   </p:defaultTextStyle>
+  <p:extLst>
+    <p:ext uri="{EFAFB233-063F-42B5-8137-9DF3F51BA10A}">
+      <p15:sldGuideLst xmlns:p15="http://schemas.microsoft.com/office/powerpoint/2012/main"/>
+    </p:ext>
+  </p:extLst>
 </p:presentation>
 </file>
 
@@ -3366,53 +3371,6 @@
       </p:grpSpPr>
       <p:sp>
         <p:nvSpPr>
-          <p:cNvPr id="2" name="제목 1">
-            <a:extLst>
-              <a:ext uri="{FF2B5EF4-FFF2-40B4-BE49-F238E27FC236}">
-                <a16:creationId xmlns:a16="http://schemas.microsoft.com/office/drawing/2014/main" id="{944CBE7C-75B8-4301-8344-EAAAE5F83B56}"/>
-              </a:ext>
-            </a:extLst>
-          </p:cNvPr>
-          <p:cNvSpPr>
-            <a:spLocks noGrp="1"/>
-          </p:cNvSpPr>
-          <p:nvPr>
-            <p:ph type="ctrTitle"/>
-          </p:nvPr>
-        </p:nvSpPr>
-        <p:spPr>
-          <a:xfrm>
-            <a:off x="886630" y="1783992"/>
-            <a:ext cx="10418739" cy="1646302"/>
-          </a:xfrm>
-        </p:spPr>
-        <p:txBody>
-          <a:bodyPr>
-            <a:noAutofit/>
-          </a:bodyPr>
-          <a:lstStyle/>
-          <a:p>
-            <a:pPr algn="ctr"/>
-            <a:r>
-              <a:rPr lang="en-US" altLang="ko-KR" sz="10000" dirty="0">
-                <a:solidFill>
-                  <a:srgbClr val="0070C0"/>
-                </a:solidFill>
-                <a:latin typeface="+mj-ea"/>
-              </a:rPr>
-              <a:t>FREEZE BOMB</a:t>
-            </a:r>
-            <a:endParaRPr lang="ko-KR" altLang="en-US" sz="10000" dirty="0">
-              <a:solidFill>
-                <a:srgbClr val="0070C0"/>
-              </a:solidFill>
-              <a:latin typeface="+mj-ea"/>
-            </a:endParaRPr>
-          </a:p>
-        </p:txBody>
-      </p:sp>
-      <p:sp>
-        <p:nvSpPr>
           <p:cNvPr id="5" name="직사각형 4">
             <a:extLst>
               <a:ext uri="{FF2B5EF4-FFF2-40B4-BE49-F238E27FC236}">
@@ -3806,6 +3764,42 @@
           </a:p>
         </p:txBody>
       </p:sp>
+      <p:pic>
+        <p:nvPicPr>
+          <p:cNvPr id="12" name="그림 11">
+            <a:extLst>
+              <a:ext uri="{FF2B5EF4-FFF2-40B4-BE49-F238E27FC236}">
+                <a16:creationId xmlns:a16="http://schemas.microsoft.com/office/drawing/2014/main" id="{CA92A631-AF2D-4213-9CDA-F8A6633B9D4A}"/>
+              </a:ext>
+            </a:extLst>
+          </p:cNvPr>
+          <p:cNvPicPr>
+            <a:picLocks noChangeAspect="1"/>
+          </p:cNvPicPr>
+          <p:nvPr/>
+        </p:nvPicPr>
+        <p:blipFill>
+          <a:blip r:embed="rId2">
+            <a:extLst>
+              <a:ext uri="{28A0092B-C50C-407E-A947-70E740481C1C}">
+                <a14:useLocalDpi xmlns:a14="http://schemas.microsoft.com/office/drawing/2010/main" val="0"/>
+              </a:ext>
+            </a:extLst>
+          </a:blip>
+          <a:stretch>
+            <a:fillRect/>
+          </a:stretch>
+        </p:blipFill>
+        <p:spPr>
+          <a:xfrm>
+            <a:off x="0" y="-27581"/>
+            <a:ext cx="11990907" cy="3293305"/>
+          </a:xfrm>
+          <a:prstGeom prst="rect">
+            <a:avLst/>
+          </a:prstGeom>
+        </p:spPr>
+      </p:pic>
     </p:spTree>
     <p:extLst>
       <p:ext uri="{BB962C8B-B14F-4D97-AF65-F5344CB8AC3E}">
@@ -6731,7 +6725,7 @@
           <p:nvPr>
             <p:extLst>
               <p:ext uri="{D42A27DB-BD31-4B8C-83A1-F6EECF244321}">
-                <p14:modId xmlns:p14="http://schemas.microsoft.com/office/powerpoint/2010/main" val="4043345695"/>
+                <p14:modId xmlns:p14="http://schemas.microsoft.com/office/powerpoint/2010/main" val="3962619914"/>
               </p:ext>
             </p:extLst>
           </p:nvPr>
@@ -7297,7 +7291,7 @@
                             <a:schemeClr val="tx1"/>
                           </a:solidFill>
                         </a:rPr>
-                        <a:t>컨텐츠 부족</a:t>
+                        <a:t>컨텐츠 미완성</a:t>
                       </a:r>
                     </a:p>
                   </a:txBody>
@@ -7945,7 +7939,7 @@
                 <a:latin typeface="+mj-ea"/>
                 <a:ea typeface="+mj-ea"/>
               </a:rPr>
-              <a:t>GitHub Commit Graph</a:t>
+              <a:t>GitHub Commit</a:t>
             </a:r>
             <a:endParaRPr lang="ko-KR" altLang="en-US" sz="2000" b="1" dirty="0">
               <a:solidFill>
@@ -7980,13 +7974,95 @@
         <p:spPr>
           <a:xfrm>
             <a:off x="636104" y="1449360"/>
-            <a:ext cx="10919792" cy="3511712"/>
+            <a:ext cx="10919792" cy="2485355"/>
           </a:xfrm>
           <a:prstGeom prst="rect">
             <a:avLst/>
           </a:prstGeom>
         </p:spPr>
       </p:pic>
+      <p:pic>
+        <p:nvPicPr>
+          <p:cNvPr id="5" name="그림 4">
+            <a:extLst>
+              <a:ext uri="{FF2B5EF4-FFF2-40B4-BE49-F238E27FC236}">
+                <a16:creationId xmlns:a16="http://schemas.microsoft.com/office/drawing/2014/main" id="{50A69A8E-BC02-4572-A759-091F5B9494C5}"/>
+              </a:ext>
+            </a:extLst>
+          </p:cNvPr>
+          <p:cNvPicPr>
+            <a:picLocks noChangeAspect="1"/>
+          </p:cNvPicPr>
+          <p:nvPr/>
+        </p:nvPicPr>
+        <p:blipFill>
+          <a:blip r:embed="rId3"/>
+          <a:stretch>
+            <a:fillRect/>
+          </a:stretch>
+        </p:blipFill>
+        <p:spPr>
+          <a:xfrm>
+            <a:off x="636104" y="3934715"/>
+            <a:ext cx="10919792" cy="2564697"/>
+          </a:xfrm>
+          <a:prstGeom prst="rect">
+            <a:avLst/>
+          </a:prstGeom>
+        </p:spPr>
+      </p:pic>
+      <p:sp>
+        <p:nvSpPr>
+          <p:cNvPr id="3" name="직사각형 2">
+            <a:extLst>
+              <a:ext uri="{FF2B5EF4-FFF2-40B4-BE49-F238E27FC236}">
+                <a16:creationId xmlns:a16="http://schemas.microsoft.com/office/drawing/2014/main" id="{C9029DE0-8CB8-4356-B0F5-8D44A79A590E}"/>
+              </a:ext>
+            </a:extLst>
+          </p:cNvPr>
+          <p:cNvSpPr/>
+          <p:nvPr/>
+        </p:nvSpPr>
+        <p:spPr>
+          <a:xfrm>
+            <a:off x="1380565" y="5907741"/>
+            <a:ext cx="1335741" cy="430306"/>
+          </a:xfrm>
+          <a:prstGeom prst="rect">
+            <a:avLst/>
+          </a:prstGeom>
+          <a:noFill/>
+          <a:ln w="38100">
+            <a:solidFill>
+              <a:srgbClr val="FF0000"/>
+            </a:solidFill>
+          </a:ln>
+        </p:spPr>
+        <p:style>
+          <a:lnRef idx="2">
+            <a:schemeClr val="accent1">
+              <a:shade val="50000"/>
+            </a:schemeClr>
+          </a:lnRef>
+          <a:fillRef idx="1">
+            <a:schemeClr val="accent1"/>
+          </a:fillRef>
+          <a:effectRef idx="0">
+            <a:schemeClr val="accent1"/>
+          </a:effectRef>
+          <a:fontRef idx="minor">
+            <a:schemeClr val="lt1"/>
+          </a:fontRef>
+        </p:style>
+        <p:txBody>
+          <a:bodyPr rtlCol="0" anchor="ctr"/>
+          <a:lstStyle/>
+          <a:p>
+            <a:pPr algn="ctr"/>
+            <a:endParaRPr lang="ko-KR" altLang="en-US"/>
+          </a:p>
+        </p:txBody>
+      </p:sp>
     </p:spTree>
     <p:extLst>
       <p:ext uri="{BB962C8B-B14F-4D97-AF65-F5344CB8AC3E}">

--- a/~181226발표준비/중간발표 피피티.pptx
+++ b/~181226발표준비/중간발표 피피티.pptx
@@ -268,7 +268,7 @@
           <a:p>
             <a:fld id="{D5DEA401-A339-44E2-A907-DCA2F41F0303}" type="datetimeFigureOut">
               <a:rPr lang="ko-KR" altLang="en-US" smtClean="0"/>
-              <a:t>2019-05-06</a:t>
+              <a:t>2019-05-07</a:t>
             </a:fld>
             <a:endParaRPr lang="ko-KR" altLang="en-US"/>
           </a:p>
@@ -466,7 +466,7 @@
           <a:p>
             <a:fld id="{D5DEA401-A339-44E2-A907-DCA2F41F0303}" type="datetimeFigureOut">
               <a:rPr lang="ko-KR" altLang="en-US" smtClean="0"/>
-              <a:t>2019-05-06</a:t>
+              <a:t>2019-05-07</a:t>
             </a:fld>
             <a:endParaRPr lang="ko-KR" altLang="en-US"/>
           </a:p>
@@ -674,7 +674,7 @@
           <a:p>
             <a:fld id="{D5DEA401-A339-44E2-A907-DCA2F41F0303}" type="datetimeFigureOut">
               <a:rPr lang="ko-KR" altLang="en-US" smtClean="0"/>
-              <a:t>2019-05-06</a:t>
+              <a:t>2019-05-07</a:t>
             </a:fld>
             <a:endParaRPr lang="ko-KR" altLang="en-US"/>
           </a:p>
@@ -872,7 +872,7 @@
           <a:p>
             <a:fld id="{D5DEA401-A339-44E2-A907-DCA2F41F0303}" type="datetimeFigureOut">
               <a:rPr lang="ko-KR" altLang="en-US" smtClean="0"/>
-              <a:t>2019-05-06</a:t>
+              <a:t>2019-05-07</a:t>
             </a:fld>
             <a:endParaRPr lang="ko-KR" altLang="en-US"/>
           </a:p>
@@ -1147,7 +1147,7 @@
           <a:p>
             <a:fld id="{D5DEA401-A339-44E2-A907-DCA2F41F0303}" type="datetimeFigureOut">
               <a:rPr lang="ko-KR" altLang="en-US" smtClean="0"/>
-              <a:t>2019-05-06</a:t>
+              <a:t>2019-05-07</a:t>
             </a:fld>
             <a:endParaRPr lang="ko-KR" altLang="en-US"/>
           </a:p>
@@ -1412,7 +1412,7 @@
           <a:p>
             <a:fld id="{D5DEA401-A339-44E2-A907-DCA2F41F0303}" type="datetimeFigureOut">
               <a:rPr lang="ko-KR" altLang="en-US" smtClean="0"/>
-              <a:t>2019-05-06</a:t>
+              <a:t>2019-05-07</a:t>
             </a:fld>
             <a:endParaRPr lang="ko-KR" altLang="en-US"/>
           </a:p>
@@ -1824,7 +1824,7 @@
           <a:p>
             <a:fld id="{D5DEA401-A339-44E2-A907-DCA2F41F0303}" type="datetimeFigureOut">
               <a:rPr lang="ko-KR" altLang="en-US" smtClean="0"/>
-              <a:t>2019-05-06</a:t>
+              <a:t>2019-05-07</a:t>
             </a:fld>
             <a:endParaRPr lang="ko-KR" altLang="en-US"/>
           </a:p>
@@ -1965,7 +1965,7 @@
           <a:p>
             <a:fld id="{D5DEA401-A339-44E2-A907-DCA2F41F0303}" type="datetimeFigureOut">
               <a:rPr lang="ko-KR" altLang="en-US" smtClean="0"/>
-              <a:t>2019-05-06</a:t>
+              <a:t>2019-05-07</a:t>
             </a:fld>
             <a:endParaRPr lang="ko-KR" altLang="en-US"/>
           </a:p>
@@ -2078,7 +2078,7 @@
           <a:p>
             <a:fld id="{D5DEA401-A339-44E2-A907-DCA2F41F0303}" type="datetimeFigureOut">
               <a:rPr lang="ko-KR" altLang="en-US" smtClean="0"/>
-              <a:t>2019-05-06</a:t>
+              <a:t>2019-05-07</a:t>
             </a:fld>
             <a:endParaRPr lang="ko-KR" altLang="en-US"/>
           </a:p>
@@ -2389,7 +2389,7 @@
           <a:p>
             <a:fld id="{D5DEA401-A339-44E2-A907-DCA2F41F0303}" type="datetimeFigureOut">
               <a:rPr lang="ko-KR" altLang="en-US" smtClean="0"/>
-              <a:t>2019-05-06</a:t>
+              <a:t>2019-05-07</a:t>
             </a:fld>
             <a:endParaRPr lang="ko-KR" altLang="en-US"/>
           </a:p>
@@ -2677,7 +2677,7 @@
           <a:p>
             <a:fld id="{D5DEA401-A339-44E2-A907-DCA2F41F0303}" type="datetimeFigureOut">
               <a:rPr lang="ko-KR" altLang="en-US" smtClean="0"/>
-              <a:t>2019-05-06</a:t>
+              <a:t>2019-05-07</a:t>
             </a:fld>
             <a:endParaRPr lang="ko-KR" altLang="en-US"/>
           </a:p>
@@ -2918,7 +2918,7 @@
           <a:p>
             <a:fld id="{D5DEA401-A339-44E2-A907-DCA2F41F0303}" type="datetimeFigureOut">
               <a:rPr lang="ko-KR" altLang="en-US" smtClean="0"/>
-              <a:t>2019-05-06</a:t>
+              <a:t>2019-05-07</a:t>
             </a:fld>
             <a:endParaRPr lang="ko-KR" altLang="en-US"/>
           </a:p>
@@ -3764,42 +3764,51 @@
           </a:p>
         </p:txBody>
       </p:sp>
-      <p:pic>
-        <p:nvPicPr>
-          <p:cNvPr id="12" name="그림 11">
-            <a:extLst>
-              <a:ext uri="{FF2B5EF4-FFF2-40B4-BE49-F238E27FC236}">
-                <a16:creationId xmlns:a16="http://schemas.microsoft.com/office/drawing/2014/main" id="{CA92A631-AF2D-4213-9CDA-F8A6633B9D4A}"/>
-              </a:ext>
-            </a:extLst>
-          </p:cNvPr>
-          <p:cNvPicPr>
-            <a:picLocks noChangeAspect="1"/>
-          </p:cNvPicPr>
+      <p:sp>
+        <p:nvSpPr>
+          <p:cNvPr id="2" name="TextBox 1">
+            <a:extLst>
+              <a:ext uri="{FF2B5EF4-FFF2-40B4-BE49-F238E27FC236}">
+                <a16:creationId xmlns:a16="http://schemas.microsoft.com/office/drawing/2014/main" id="{2F0EBD76-7D43-4EAD-9556-D1A5C465076B}"/>
+              </a:ext>
+            </a:extLst>
+          </p:cNvPr>
+          <p:cNvSpPr txBox="1"/>
           <p:nvPr/>
-        </p:nvPicPr>
-        <p:blipFill>
-          <a:blip r:embed="rId2">
-            <a:extLst>
-              <a:ext uri="{28A0092B-C50C-407E-A947-70E740481C1C}">
-                <a14:useLocalDpi xmlns:a14="http://schemas.microsoft.com/office/drawing/2010/main" val="0"/>
-              </a:ext>
-            </a:extLst>
-          </a:blip>
-          <a:stretch>
-            <a:fillRect/>
-          </a:stretch>
-        </p:blipFill>
+        </p:nvSpPr>
         <p:spPr>
           <a:xfrm>
-            <a:off x="0" y="-27581"/>
-            <a:ext cx="11990907" cy="3293305"/>
+            <a:off x="348893" y="2613392"/>
+            <a:ext cx="11494214" cy="1631216"/>
           </a:xfrm>
           <a:prstGeom prst="rect">
             <a:avLst/>
           </a:prstGeom>
+          <a:noFill/>
         </p:spPr>
-      </p:pic>
+        <p:txBody>
+          <a:bodyPr wrap="square" rtlCol="0">
+            <a:spAutoFit/>
+          </a:bodyPr>
+          <a:lstStyle/>
+          <a:p>
+            <a:pPr algn="ctr"/>
+            <a:r>
+              <a:rPr lang="en-US" altLang="ko-KR" sz="10000" b="1" dirty="0">
+                <a:solidFill>
+                  <a:schemeClr val="accent1"/>
+                </a:solidFill>
+              </a:rPr>
+              <a:t>FREEZE BOMB</a:t>
+            </a:r>
+            <a:endParaRPr lang="ko-KR" altLang="en-US" sz="10000" b="1" dirty="0">
+              <a:solidFill>
+                <a:schemeClr val="accent1"/>
+              </a:solidFill>
+            </a:endParaRPr>
+          </a:p>
+        </p:txBody>
+      </p:sp>
     </p:spTree>
     <p:extLst>
       <p:ext uri="{BB962C8B-B14F-4D97-AF65-F5344CB8AC3E}">

--- a/~181226발표준비/중간발표 피피티.pptx
+++ b/~181226발표준비/중간발표 피피티.pptx
@@ -7932,7 +7932,7 @@
           <a:lstStyle/>
           <a:p>
             <a:r>
-              <a:rPr lang="ko-KR" altLang="en-US" sz="2000">
+              <a:rPr lang="ko-KR" altLang="en-US" sz="2000" dirty="0">
                 <a:solidFill>
                   <a:srgbClr val="0070C0"/>
                 </a:solidFill>
@@ -7941,7 +7941,7 @@
               <a:t>▶ </a:t>
             </a:r>
             <a:r>
-              <a:rPr lang="en-US" altLang="ko-KR" sz="2000" b="1">
+              <a:rPr lang="en-US" altLang="ko-KR" sz="2000" b="1" dirty="0">
                 <a:solidFill>
                   <a:srgbClr val="0070C0"/>
                 </a:solidFill>
@@ -8069,6 +8069,44 @@
           <a:p>
             <a:pPr algn="ctr"/>
             <a:endParaRPr lang="ko-KR" altLang="en-US"/>
+          </a:p>
+        </p:txBody>
+      </p:sp>
+      <p:sp>
+        <p:nvSpPr>
+          <p:cNvPr id="2" name="TextBox 1">
+            <a:extLst>
+              <a:ext uri="{FF2B5EF4-FFF2-40B4-BE49-F238E27FC236}">
+                <a16:creationId xmlns:a16="http://schemas.microsoft.com/office/drawing/2014/main" id="{2D0B7FB2-C842-4BB9-A7F1-AD804293DBE9}"/>
+              </a:ext>
+            </a:extLst>
+          </p:cNvPr>
+          <p:cNvSpPr txBox="1"/>
+          <p:nvPr/>
+        </p:nvSpPr>
+        <p:spPr>
+          <a:xfrm>
+            <a:off x="636104" y="1103329"/>
+            <a:ext cx="10605247" cy="369332"/>
+          </a:xfrm>
+          <a:prstGeom prst="rect">
+            <a:avLst/>
+          </a:prstGeom>
+          <a:noFill/>
+        </p:spPr>
+        <p:txBody>
+          <a:bodyPr wrap="square" rtlCol="0">
+            <a:spAutoFit/>
+          </a:bodyPr>
+          <a:lstStyle/>
+          <a:p>
+            <a:r>
+              <a:rPr lang="en-US" altLang="ko-KR" dirty="0">
+                <a:hlinkClick r:id="rId4"/>
+              </a:rPr>
+              <a:t>https://github.com/LeeWooSang/Capstone_Design_TeamProject/commits/master</a:t>
+            </a:r>
+            <a:endParaRPr lang="ko-KR" altLang="en-US" dirty="0"/>
           </a:p>
         </p:txBody>
       </p:sp>
